--- a/presentations/Washington State Open Data Portal.pptx
+++ b/presentations/Washington State Open Data Portal.pptx
@@ -5012,7 +5012,7 @@
           <a:p>
             <a:fld id="{AE773DDC-1EF0-4200-9A60-FB10B4FB95C5}" type="datetimeFigureOut">
               <a:rPr lang="en-US" smtClean="0"/>
-              <a:t>8/15/2019</a:t>
+              <a:t>8/16/2019</a:t>
             </a:fld>
             <a:endParaRPr lang="en-US"/>
           </a:p>
@@ -5901,7 +5901,15 @@
           <a:p>
             <a:r>
               <a:rPr lang="en-US" dirty="0"/>
-              <a:t>Many datasets have at least one of the core elements complete. Over 20% have none though. Posting Frequency is rarely filled in.</a:t>
+              <a:t>Many datasets have at least one of the core elements complete. Over 20% have none though. Posting Frequency (monthly, quarterly, </a:t>
+            </a:r>
+            <a:r>
+              <a:rPr lang="en-US" dirty="0" err="1"/>
+              <a:t>etc</a:t>
+            </a:r>
+            <a:r>
+              <a:rPr lang="en-US" dirty="0"/>
+              <a:t>) is rarely filled in.</a:t>
             </a:r>
           </a:p>
           <a:p>
@@ -8818,7 +8826,7 @@
             <a:fld id="{B61BEF0D-F0BB-DE4B-95CE-6DB70DBA9567}" type="datetimeFigureOut">
               <a:rPr lang="en-US" dirty="0"/>
               <a:pPr/>
-              <a:t>8/15/2019</a:t>
+              <a:t>8/16/2019</a:t>
             </a:fld>
             <a:endParaRPr lang="en-US" dirty="0"/>
           </a:p>
@@ -9066,7 +9074,7 @@
             <a:fld id="{B61BEF0D-F0BB-DE4B-95CE-6DB70DBA9567}" type="datetimeFigureOut">
               <a:rPr lang="en-US" dirty="0"/>
               <a:pPr/>
-              <a:t>8/15/2019</a:t>
+              <a:t>8/16/2019</a:t>
             </a:fld>
             <a:endParaRPr lang="en-US" dirty="0"/>
           </a:p>
@@ -9377,7 +9385,7 @@
             <a:fld id="{B61BEF0D-F0BB-DE4B-95CE-6DB70DBA9567}" type="datetimeFigureOut">
               <a:rPr lang="en-US" dirty="0"/>
               <a:pPr/>
-              <a:t>8/15/2019</a:t>
+              <a:t>8/16/2019</a:t>
             </a:fld>
             <a:endParaRPr lang="en-US" dirty="0"/>
           </a:p>
@@ -9701,7 +9709,7 @@
             <a:fld id="{B61BEF0D-F0BB-DE4B-95CE-6DB70DBA9567}" type="datetimeFigureOut">
               <a:rPr lang="en-US" dirty="0"/>
               <a:pPr/>
-              <a:t>8/15/2019</a:t>
+              <a:t>8/16/2019</a:t>
             </a:fld>
             <a:endParaRPr lang="en-US" dirty="0"/>
           </a:p>
@@ -10012,7 +10020,7 @@
             <a:fld id="{B61BEF0D-F0BB-DE4B-95CE-6DB70DBA9567}" type="datetimeFigureOut">
               <a:rPr lang="en-US" dirty="0"/>
               <a:pPr/>
-              <a:t>8/15/2019</a:t>
+              <a:t>8/16/2019</a:t>
             </a:fld>
             <a:endParaRPr lang="en-US" dirty="0"/>
           </a:p>
@@ -10396,7 +10404,7 @@
             <a:fld id="{B61BEF0D-F0BB-DE4B-95CE-6DB70DBA9567}" type="datetimeFigureOut">
               <a:rPr lang="en-US" dirty="0"/>
               <a:pPr/>
-              <a:t>8/15/2019</a:t>
+              <a:t>8/16/2019</a:t>
             </a:fld>
             <a:endParaRPr lang="en-US" dirty="0"/>
           </a:p>
@@ -10562,7 +10570,7 @@
           <a:p>
             <a:fld id="{55C6B4A9-1611-4792-9094-5F34BCA07E0B}" type="datetimeFigureOut">
               <a:rPr lang="en-US" dirty="0"/>
-              <a:t>8/15/2019</a:t>
+              <a:t>8/16/2019</a:t>
             </a:fld>
             <a:endParaRPr lang="en-US" dirty="0"/>
           </a:p>
@@ -10738,7 +10746,7 @@
             <a:fld id="{B61BEF0D-F0BB-DE4B-95CE-6DB70DBA9567}" type="datetimeFigureOut">
               <a:rPr lang="en-US" dirty="0"/>
               <a:pPr/>
-              <a:t>8/15/2019</a:t>
+              <a:t>8/16/2019</a:t>
             </a:fld>
             <a:endParaRPr lang="en-US" dirty="0"/>
           </a:p>
@@ -10918,7 +10926,7 @@
             <a:fld id="{B61BEF0D-F0BB-DE4B-95CE-6DB70DBA9567}" type="datetimeFigureOut">
               <a:rPr lang="en-US" dirty="0"/>
               <a:pPr/>
-              <a:t>8/15/2019</a:t>
+              <a:t>8/16/2019</a:t>
             </a:fld>
             <a:endParaRPr lang="en-US" dirty="0"/>
           </a:p>
@@ -11162,7 +11170,7 @@
             <a:fld id="{B61BEF0D-F0BB-DE4B-95CE-6DB70DBA9567}" type="datetimeFigureOut">
               <a:rPr lang="en-US" dirty="0"/>
               <a:pPr/>
-              <a:t>8/15/2019</a:t>
+              <a:t>8/16/2019</a:t>
             </a:fld>
             <a:endParaRPr lang="en-US" dirty="0"/>
           </a:p>
@@ -11400,7 +11408,7 @@
           <a:p>
             <a:fld id="{EB712588-04B1-427B-82EE-E8DB90309F08}" type="datetimeFigureOut">
               <a:rPr lang="en-US" dirty="0"/>
-              <a:t>8/15/2019</a:t>
+              <a:t>8/16/2019</a:t>
             </a:fld>
             <a:endParaRPr lang="en-US" dirty="0"/>
           </a:p>
@@ -11770,7 +11778,7 @@
             <a:fld id="{B61BEF0D-F0BB-DE4B-95CE-6DB70DBA9567}" type="datetimeFigureOut">
               <a:rPr lang="en-US" dirty="0"/>
               <a:pPr/>
-              <a:t>8/15/2019</a:t>
+              <a:t>8/16/2019</a:t>
             </a:fld>
             <a:endParaRPr lang="en-US" dirty="0"/>
           </a:p>
@@ -11890,7 +11898,7 @@
             <a:fld id="{B61BEF0D-F0BB-DE4B-95CE-6DB70DBA9567}" type="datetimeFigureOut">
               <a:rPr lang="en-US" dirty="0"/>
               <a:pPr/>
-              <a:t>8/15/2019</a:t>
+              <a:t>8/16/2019</a:t>
             </a:fld>
             <a:endParaRPr lang="en-US" dirty="0"/>
           </a:p>
@@ -11982,7 +11990,7 @@
             <a:fld id="{B61BEF0D-F0BB-DE4B-95CE-6DB70DBA9567}" type="datetimeFigureOut">
               <a:rPr lang="en-US" dirty="0"/>
               <a:pPr/>
-              <a:t>8/15/2019</a:t>
+              <a:t>8/16/2019</a:t>
             </a:fld>
             <a:endParaRPr lang="en-US" dirty="0"/>
           </a:p>
@@ -12233,7 +12241,7 @@
           <a:p>
             <a:fld id="{42A54C80-263E-416B-A8E0-580EDEADCBDC}" type="datetimeFigureOut">
               <a:rPr lang="en-US" dirty="0"/>
-              <a:t>8/15/2019</a:t>
+              <a:t>8/16/2019</a:t>
             </a:fld>
             <a:endParaRPr lang="en-US" dirty="0"/>
           </a:p>
@@ -12492,7 +12500,7 @@
             <a:fld id="{B61BEF0D-F0BB-DE4B-95CE-6DB70DBA9567}" type="datetimeFigureOut">
               <a:rPr lang="en-US" dirty="0"/>
               <a:pPr/>
-              <a:t>8/15/2019</a:t>
+              <a:t>8/16/2019</a:t>
             </a:fld>
             <a:endParaRPr lang="en-US" dirty="0"/>
           </a:p>
@@ -13234,7 +13242,7 @@
             <a:fld id="{B61BEF0D-F0BB-DE4B-95CE-6DB70DBA9567}" type="datetimeFigureOut">
               <a:rPr lang="en-US" dirty="0"/>
               <a:pPr/>
-              <a:t>8/15/2019</a:t>
+              <a:t>8/16/2019</a:t>
             </a:fld>
             <a:endParaRPr lang="en-US" dirty="0"/>
           </a:p>
@@ -13772,16 +13780,17 @@
         </p:nvSpPr>
         <p:spPr>
           <a:xfrm>
-            <a:off x="1084279" y="549942"/>
-            <a:ext cx="7766936" cy="1646302"/>
+            <a:off x="779479" y="619791"/>
+            <a:ext cx="9326546" cy="1646302"/>
           </a:xfrm>
         </p:spPr>
         <p:txBody>
           <a:bodyPr/>
           <a:lstStyle/>
           <a:p>
-            <a:r>
-              <a:rPr lang="en-US" dirty="0">
+            <a:pPr algn="ctr"/>
+            <a:r>
+              <a:rPr lang="en-US" sz="4400" dirty="0">
                 <a:solidFill>
                   <a:schemeClr val="accent2">
                     <a:lumMod val="20000"/>
@@ -13789,28 +13798,7 @@
                   </a:schemeClr>
                 </a:solidFill>
               </a:rPr>
-              <a:t>Washington State </a:t>
-            </a:r>
-            <a:br>
-              <a:rPr lang="en-US" dirty="0">
-                <a:solidFill>
-                  <a:schemeClr val="accent2">
-                    <a:lumMod val="20000"/>
-                    <a:lumOff val="80000"/>
-                  </a:schemeClr>
-                </a:solidFill>
-              </a:rPr>
-            </a:br>
-            <a:r>
-              <a:rPr lang="en-US" dirty="0">
-                <a:solidFill>
-                  <a:schemeClr val="accent2">
-                    <a:lumMod val="20000"/>
-                    <a:lumOff val="80000"/>
-                  </a:schemeClr>
-                </a:solidFill>
-              </a:rPr>
-              <a:t>Open Data Portal</a:t>
+              <a:t>Curation Assessment of the Washington State Open Data Portal</a:t>
             </a:r>
           </a:p>
         </p:txBody>
@@ -13833,7 +13821,7 @@
         </p:nvSpPr>
         <p:spPr>
           <a:xfrm>
-            <a:off x="1084279" y="2196241"/>
+            <a:off x="2001577" y="2625239"/>
             <a:ext cx="7766936" cy="1096899"/>
           </a:xfrm>
         </p:spPr>
@@ -13912,7 +13900,7 @@
         </p:blipFill>
         <p:spPr>
           <a:xfrm>
-            <a:off x="3533307" y="5372017"/>
+            <a:off x="3853400" y="5399248"/>
             <a:ext cx="2941475" cy="496224"/>
           </a:xfrm>
           <a:prstGeom prst="rect">
@@ -14137,7 +14125,7 @@
           <a:p>
             <a:r>
               <a:rPr lang="en-US" sz="2800" dirty="0"/>
-              <a:t>The average citizen is not the main user</a:t>
+              <a:t>Individual citizens are not the main users</a:t>
             </a:r>
           </a:p>
           <a:p>
@@ -14155,7 +14143,7 @@
           <a:p>
             <a:r>
               <a:rPr lang="en-US" sz="2800" dirty="0"/>
-              <a:t>Navigating these needs matches library expertise</a:t>
+              <a:t>Library expertise are suited to navigating these needs</a:t>
             </a:r>
             <a:endParaRPr lang="en-US" sz="2400" dirty="0"/>
           </a:p>
@@ -14730,7 +14718,7 @@
                   </a:schemeClr>
                 </a:solidFill>
               </a:rPr>
-              <a:t>Four Important Dimensions for Assessment</a:t>
+              <a:t>Five Important Dimensions for Assessment</a:t>
             </a:r>
           </a:p>
         </p:txBody>
@@ -14759,7 +14747,7 @@
         </p:spPr>
         <p:txBody>
           <a:bodyPr>
-            <a:normAutofit lnSpcReduction="10000"/>
+            <a:normAutofit fontScale="92500" lnSpcReduction="10000"/>
           </a:bodyPr>
           <a:lstStyle/>
           <a:p>
@@ -14784,6 +14772,12 @@
             <a:r>
               <a:rPr lang="en-US" sz="3600" dirty="0"/>
               <a:t>Temporal Information</a:t>
+            </a:r>
+          </a:p>
+          <a:p>
+            <a:r>
+              <a:rPr lang="en-US" sz="3600" dirty="0"/>
+              <a:t>License</a:t>
             </a:r>
           </a:p>
           <a:p>
@@ -14796,12 +14790,6 @@
             <a:r>
               <a:rPr lang="en-US" sz="2400" dirty="0"/>
               <a:t>Also important:</a:t>
-            </a:r>
-          </a:p>
-          <a:p>
-            <a:r>
-              <a:rPr lang="en-US" sz="2800" dirty="0"/>
-              <a:t>License</a:t>
             </a:r>
           </a:p>
           <a:p>
@@ -16227,7 +16215,7 @@
           <a:p>
             <a:r>
               <a:rPr lang="en-US" sz="2400" dirty="0"/>
-              <a:t>Started in 2012</a:t>
+              <a:t>Started ~2009</a:t>
             </a:r>
           </a:p>
           <a:p>
@@ -16855,7 +16843,7 @@
         </p:blipFill>
         <p:spPr>
           <a:xfrm>
-            <a:off x="2889120" y="168052"/>
+            <a:off x="3370382" y="168052"/>
             <a:ext cx="8737860" cy="6521896"/>
           </a:xfrm>
           <a:prstGeom prst="rect">
@@ -16881,12 +16869,14 @@
         </p:nvSpPr>
         <p:spPr>
           <a:xfrm>
-            <a:off x="276225" y="609600"/>
-            <a:ext cx="2514599" cy="3962400"/>
+            <a:off x="131884" y="609600"/>
+            <a:ext cx="3506466" cy="6080348"/>
           </a:xfrm>
         </p:spPr>
         <p:txBody>
-          <a:bodyPr/>
+          <a:bodyPr>
+            <a:normAutofit/>
+          </a:bodyPr>
           <a:lstStyle/>
           <a:p>
             <a:r>
@@ -16911,7 +16901,7 @@
               </a:rPr>
             </a:br>
             <a:r>
-              <a:rPr lang="en-US" dirty="0">
+              <a:rPr lang="en-US" sz="3100" dirty="0">
                 <a:solidFill>
                   <a:schemeClr val="accent1">
                     <a:lumMod val="20000"/>
@@ -16919,7 +16909,28 @@
                   </a:schemeClr>
                 </a:solidFill>
               </a:rPr>
-              <a:t>are perfect</a:t>
+              <a:t>All core elements</a:t>
+            </a:r>
+            <a:br>
+              <a:rPr lang="en-US" sz="3100" dirty="0">
+                <a:solidFill>
+                  <a:schemeClr val="accent1">
+                    <a:lumMod val="20000"/>
+                    <a:lumOff val="80000"/>
+                  </a:schemeClr>
+                </a:solidFill>
+              </a:rPr>
+            </a:br>
+            <a:r>
+              <a:rPr lang="en-US" sz="3100" dirty="0">
+                <a:solidFill>
+                  <a:schemeClr val="accent1">
+                    <a:lumMod val="20000"/>
+                    <a:lumOff val="80000"/>
+                  </a:schemeClr>
+                </a:solidFill>
+              </a:rPr>
+              <a:t>understandable</a:t>
             </a:r>
             <a:br>
               <a:rPr lang="en-US" dirty="0">
@@ -16950,7 +16961,7 @@
                   </a:schemeClr>
                 </a:solidFill>
               </a:rPr>
-              <a:t>36%</a:t>
+              <a:t>32%</a:t>
             </a:r>
             <a:r>
               <a:rPr lang="en-US" dirty="0">
@@ -16961,7 +16972,71 @@
                   </a:schemeClr>
                 </a:solidFill>
               </a:rPr>
-              <a:t> need one element</a:t>
+              <a:t> </a:t>
+            </a:r>
+            <a:r>
+              <a:rPr lang="en-US" sz="3100" dirty="0">
+                <a:solidFill>
+                  <a:schemeClr val="accent1">
+                    <a:lumMod val="20000"/>
+                    <a:lumOff val="80000"/>
+                  </a:schemeClr>
+                </a:solidFill>
+              </a:rPr>
+              <a:t>need one element</a:t>
+            </a:r>
+            <a:br>
+              <a:rPr lang="en-US" sz="3100" dirty="0">
+                <a:solidFill>
+                  <a:schemeClr val="accent1">
+                    <a:lumMod val="20000"/>
+                    <a:lumOff val="80000"/>
+                  </a:schemeClr>
+                </a:solidFill>
+              </a:rPr>
+            </a:br>
+            <a:br>
+              <a:rPr lang="en-US" sz="3100" dirty="0">
+                <a:solidFill>
+                  <a:schemeClr val="accent1">
+                    <a:lumMod val="20000"/>
+                    <a:lumOff val="80000"/>
+                  </a:schemeClr>
+                </a:solidFill>
+              </a:rPr>
+            </a:br>
+            <a:r>
+              <a:rPr lang="en-US" sz="5400" dirty="0">
+                <a:solidFill>
+                  <a:schemeClr val="accent1">
+                    <a:lumMod val="20000"/>
+                    <a:lumOff val="80000"/>
+                  </a:schemeClr>
+                </a:solidFill>
+              </a:rPr>
+              <a:t>55%</a:t>
+            </a:r>
+            <a:r>
+              <a:rPr lang="en-US" sz="3200" dirty="0">
+                <a:solidFill>
+                  <a:schemeClr val="accent1">
+                    <a:lumMod val="20000"/>
+                    <a:lumOff val="80000"/>
+                  </a:schemeClr>
+                </a:solidFill>
+              </a:rPr>
+              <a:t> </a:t>
+            </a:r>
+            <a:r>
+              <a:rPr lang="en-US" sz="3100" dirty="0">
+                <a:solidFill>
+                  <a:schemeClr val="accent1">
+                    <a:lumMod val="20000"/>
+                    <a:lumOff val="80000"/>
+                  </a:schemeClr>
+                </a:solidFill>
+              </a:rPr>
+              <a:t>need two or more</a:t>
             </a:r>
           </a:p>
         </p:txBody>
@@ -17111,10 +17186,10 @@
       </p:sp>
       <p:sp>
         <p:nvSpPr>
-          <p:cNvPr id="5" name="Content Placeholder 4">
+          <p:cNvPr id="4" name="Content Placeholder 3">
             <a:extLst>
               <a:ext uri="{FF2B5EF4-FFF2-40B4-BE49-F238E27FC236}">
-                <a16:creationId xmlns:a16="http://schemas.microsoft.com/office/drawing/2014/main" id="{EB21430E-8D50-488F-83A0-6BB12554F168}"/>
+                <a16:creationId xmlns:a16="http://schemas.microsoft.com/office/drawing/2014/main" id="{17715280-8F54-4349-814C-CF4A1807EFD0}"/>
               </a:ext>
             </a:extLst>
           </p:cNvPr>
@@ -17125,40 +17200,12 @@
             <p:ph idx="1"/>
           </p:nvPr>
         </p:nvSpPr>
-        <p:spPr>
-          <a:xfrm>
-            <a:off x="677334" y="1855789"/>
-            <a:ext cx="8596668" cy="4545011"/>
-          </a:xfrm>
-        </p:spPr>
+        <p:spPr/>
         <p:txBody>
-          <a:bodyPr>
-            <a:normAutofit/>
-          </a:bodyPr>
+          <a:bodyPr/>
           <a:lstStyle/>
           <a:p>
-            <a:r>
-              <a:rPr lang="en-US" sz="2400" dirty="0"/>
-              <a:t>Multiple datasets in a time series</a:t>
-            </a:r>
-          </a:p>
-          <a:p>
-            <a:endParaRPr lang="en-US" sz="2400" dirty="0"/>
-          </a:p>
-          <a:p>
-            <a:r>
-              <a:rPr lang="en-US" sz="2400" dirty="0"/>
-              <a:t>Uploads that are not data</a:t>
-            </a:r>
-          </a:p>
-          <a:p>
-            <a:endParaRPr lang="en-US" sz="2400" dirty="0"/>
-          </a:p>
-          <a:p>
-            <a:r>
-              <a:rPr lang="en-US" sz="2400" dirty="0"/>
-              <a:t>Completely empty uploads and test/dummy datasets</a:t>
-            </a:r>
+            <a:endParaRPr lang="en-US"/>
           </a:p>
         </p:txBody>
       </p:sp>
@@ -17496,7 +17543,7 @@
         </p:spPr>
         <p:txBody>
           <a:bodyPr>
-            <a:normAutofit lnSpcReduction="10000"/>
+            <a:normAutofit/>
           </a:bodyPr>
           <a:lstStyle/>
           <a:p>
@@ -17520,18 +17567,8 @@
           <a:p>
             <a:r>
               <a:rPr lang="en-US" sz="2800" dirty="0"/>
-              <a:t>64% of datasets need to improve two or more core elements</a:t>
-            </a:r>
-          </a:p>
-          <a:p>
-            <a:pPr lvl="1"/>
-            <a:r>
-              <a:rPr lang="en-US" sz="2600" dirty="0"/>
-              <a:t>13% are excellent</a:t>
-            </a:r>
-          </a:p>
-          <a:p>
-            <a:endParaRPr lang="en-US" sz="2800" dirty="0"/>
+              <a:t>55% of datasets need to improve two or more core elements</a:t>
+            </a:r>
           </a:p>
         </p:txBody>
       </p:sp>
@@ -23043,7 +23080,7 @@
         </p:spPr>
         <p:txBody>
           <a:bodyPr>
-            <a:normAutofit lnSpcReduction="10000"/>
+            <a:normAutofit/>
           </a:bodyPr>
           <a:lstStyle/>
           <a:p>
@@ -23074,7 +23111,15 @@
             </a:pPr>
             <a:r>
               <a:rPr lang="en-US" sz="2400" dirty="0"/>
-              <a:t>NGOs</a:t>
+              <a:t>3</a:t>
+            </a:r>
+            <a:r>
+              <a:rPr lang="en-US" sz="2400" baseline="30000" dirty="0"/>
+              <a:t>rd</a:t>
+            </a:r>
+            <a:r>
+              <a:rPr lang="en-US" sz="2400" dirty="0"/>
+              <a:t> parties: NGOs, Media</a:t>
             </a:r>
           </a:p>
           <a:p>
@@ -23093,23 +23138,6 @@
             <a:r>
               <a:rPr lang="en-US" sz="2400" dirty="0"/>
               <a:t>Federal agencies</a:t>
-            </a:r>
-          </a:p>
-          <a:p>
-            <a:pPr marL="0" indent="0">
-              <a:buNone/>
-            </a:pPr>
-            <a:r>
-              <a:rPr lang="en-US" sz="2400" dirty="0"/>
-              <a:t>3</a:t>
-            </a:r>
-            <a:r>
-              <a:rPr lang="en-US" sz="2400" baseline="30000" dirty="0"/>
-              <a:t>rd</a:t>
-            </a:r>
-            <a:r>
-              <a:rPr lang="en-US" sz="2400" dirty="0"/>
-              <a:t> parties</a:t>
             </a:r>
           </a:p>
           <a:p>
@@ -23155,7 +23183,7 @@
         </p:spPr>
         <p:txBody>
           <a:bodyPr>
-            <a:normAutofit lnSpcReduction="10000"/>
+            <a:normAutofit/>
           </a:bodyPr>
           <a:lstStyle/>
           <a:p>
@@ -24172,55 +24200,12 @@
                               <p:par>
                                 <p:cTn id="32" presetID="10" presetClass="entr" presetSubtype="0" fill="hold" grpId="0" nodeType="withEffect">
                                   <p:stCondLst>
-                                    <p:cond delay="1250"/>
+                                    <p:cond delay="2500"/>
                                   </p:stCondLst>
                                   <p:childTnLst>
                                     <p:set>
                                       <p:cBhvr>
                                         <p:cTn id="33" dur="1" fill="hold">
-                                          <p:stCondLst>
-                                            <p:cond delay="0"/>
-                                          </p:stCondLst>
-                                        </p:cTn>
-                                        <p:tgtEl>
-                                          <p:spTgt spid="3">
-                                            <p:txEl>
-                                              <p:pRg st="6" end="6"/>
-                                            </p:txEl>
-                                          </p:spTgt>
-                                        </p:tgtEl>
-                                        <p:attrNameLst>
-                                          <p:attrName>style.visibility</p:attrName>
-                                        </p:attrNameLst>
-                                      </p:cBhvr>
-                                      <p:to>
-                                        <p:strVal val="visible"/>
-                                      </p:to>
-                                    </p:set>
-                                    <p:animEffect transition="in" filter="fade">
-                                      <p:cBhvr>
-                                        <p:cTn id="34" dur="500"/>
-                                        <p:tgtEl>
-                                          <p:spTgt spid="3">
-                                            <p:txEl>
-                                              <p:pRg st="6" end="6"/>
-                                            </p:txEl>
-                                          </p:spTgt>
-                                        </p:tgtEl>
-                                      </p:cBhvr>
-                                    </p:animEffect>
-                                  </p:childTnLst>
-                                </p:cTn>
-                              </p:par>
-                              <p:par>
-                                <p:cTn id="35" presetID="10" presetClass="entr" presetSubtype="0" fill="hold" grpId="0" nodeType="withEffect">
-                                  <p:stCondLst>
-                                    <p:cond delay="2500"/>
-                                  </p:stCondLst>
-                                  <p:childTnLst>
-                                    <p:set>
-                                      <p:cBhvr>
-                                        <p:cTn id="36" dur="1" fill="hold">
                                           <p:stCondLst>
                                             <p:cond delay="0"/>
                                           </p:stCondLst>
@@ -24238,7 +24223,7 @@
                                     </p:set>
                                     <p:animEffect transition="in" filter="fade">
                                       <p:cBhvr>
-                                        <p:cTn id="37" dur="500"/>
+                                        <p:cTn id="34" dur="500"/>
                                         <p:tgtEl>
                                           <p:spTgt spid="5"/>
                                         </p:tgtEl>
@@ -24248,14 +24233,14 @@
                                 </p:cTn>
                               </p:par>
                               <p:par>
-                                <p:cTn id="38" presetID="10" presetClass="entr" presetSubtype="0" fill="hold" grpId="0" nodeType="withEffect">
+                                <p:cTn id="35" presetID="10" presetClass="entr" presetSubtype="0" fill="hold" grpId="0" nodeType="withEffect">
                                   <p:stCondLst>
                                     <p:cond delay="3750"/>
                                   </p:stCondLst>
                                   <p:childTnLst>
                                     <p:set>
                                       <p:cBhvr>
-                                        <p:cTn id="39" dur="1" fill="hold">
+                                        <p:cTn id="36" dur="1" fill="hold">
                                           <p:stCondLst>
                                             <p:cond delay="0"/>
                                           </p:stCondLst>
@@ -24273,7 +24258,7 @@
                                     </p:set>
                                     <p:animEffect transition="in" filter="fade">
                                       <p:cBhvr>
-                                        <p:cTn id="40" dur="500"/>
+                                        <p:cTn id="37" dur="500"/>
                                         <p:tgtEl>
                                           <p:spTgt spid="6"/>
                                         </p:tgtEl>
